--- a/images/SystemImage.pptx
+++ b/images/SystemImage.pptx
@@ -5089,8 +5089,8 @@
         </p:nvSpPr>
         <p:spPr>
           <a:xfrm>
-            <a:off x="4545759" y="2951408"/>
-            <a:ext cx="3185487" cy="646331"/>
+            <a:off x="4691586" y="2853123"/>
+            <a:ext cx="2954655" cy="369332"/>
           </a:xfrm>
           <a:prstGeom prst="rect">
             <a:avLst/>
@@ -5105,14 +5105,7 @@
           <a:p>
             <a:r>
               <a:rPr lang="ja-JP" altLang="en-US" dirty="0"/>
-              <a:t>・シミュレーション実行指示</a:t>
-            </a:r>
-            <a:endParaRPr lang="en-US" altLang="ja-JP" dirty="0"/>
-          </a:p>
-          <a:p>
-            <a:r>
-              <a:rPr lang="ja-JP" altLang="en-US" dirty="0"/>
-              <a:t>・ユーザ座標</a:t>
+              <a:t>シミュレーション実行指示</a:t>
             </a:r>
             <a:endParaRPr lang="en-US" altLang="ja-JP" dirty="0"/>
           </a:p>
@@ -5596,6 +5589,61 @@
           </a:p>
         </p:txBody>
       </p:sp>
+      <p:sp>
+        <p:nvSpPr>
+          <p:cNvPr id="20" name="矢印: 右 19">
+            <a:extLst>
+              <a:ext uri="{FF2B5EF4-FFF2-40B4-BE49-F238E27FC236}">
+                <a16:creationId xmlns:a16="http://schemas.microsoft.com/office/drawing/2014/main" id="{95BC8BA5-7E4F-4AFE-A1F1-BC829AE7E44F}"/>
+              </a:ext>
+            </a:extLst>
+          </p:cNvPr>
+          <p:cNvSpPr/>
+          <p:nvPr/>
+        </p:nvSpPr>
+        <p:spPr>
+          <a:xfrm rot="12118800" flipV="1">
+            <a:off x="4284703" y="3937885"/>
+            <a:ext cx="3868354" cy="233858"/>
+          </a:xfrm>
+          <a:prstGeom prst="rightArrow">
+            <a:avLst>
+              <a:gd name="adj1" fmla="val 50000"/>
+              <a:gd name="adj2" fmla="val 74889"/>
+            </a:avLst>
+          </a:prstGeom>
+          <a:noFill/>
+          <a:ln>
+            <a:solidFill>
+              <a:schemeClr val="tx1"/>
+            </a:solidFill>
+          </a:ln>
+        </p:spPr>
+        <p:style>
+          <a:lnRef idx="2">
+            <a:schemeClr val="accent1">
+              <a:shade val="50000"/>
+            </a:schemeClr>
+          </a:lnRef>
+          <a:fillRef idx="1">
+            <a:schemeClr val="accent1"/>
+          </a:fillRef>
+          <a:effectRef idx="0">
+            <a:schemeClr val="accent1"/>
+          </a:effectRef>
+          <a:fontRef idx="minor">
+            <a:schemeClr val="lt1"/>
+          </a:fontRef>
+        </p:style>
+        <p:txBody>
+          <a:bodyPr rtlCol="0" anchor="ctr"/>
+          <a:lstStyle/>
+          <a:p>
+            <a:pPr algn="ctr"/>
+            <a:endParaRPr kumimoji="1" lang="ja-JP" altLang="en-US"/>
+          </a:p>
+        </p:txBody>
+      </p:sp>
     </p:spTree>
     <p:extLst>
       <p:ext uri="{BB962C8B-B14F-4D97-AF65-F5344CB8AC3E}">

--- a/images/SystemImage.pptx
+++ b/images/SystemImage.pptx
@@ -4655,7 +4655,7 @@
         <p:spPr>
           <a:xfrm>
             <a:off x="6649998" y="4656800"/>
-            <a:ext cx="2031325" cy="369332"/>
+            <a:ext cx="1107996" cy="369332"/>
           </a:xfrm>
           <a:prstGeom prst="rect">
             <a:avLst/>
@@ -4671,10 +4671,6 @@
             <a:r>
               <a:rPr lang="en-US" altLang="ja-JP" dirty="0"/>
               <a:t>AR HMD</a:t>
-            </a:r>
-            <a:r>
-              <a:rPr lang="ja-JP" altLang="en-US" dirty="0"/>
-              <a:t>デバイス</a:t>
             </a:r>
             <a:endParaRPr kumimoji="1" lang="en-US" altLang="ja-JP" dirty="0"/>
           </a:p>
